--- a/TDI.pptx
+++ b/TDI.pptx
@@ -6456,10 +6456,10 @@
       </p:sp>
       <p:pic>
         <p:nvPicPr>
-          <p:cNvPr id="8" name="Picture 7" descr="Diagram, engineering drawing&#10;&#10;Description automatically generated">
-            <a:extLst>
-              <a:ext uri="{FF2B5EF4-FFF2-40B4-BE49-F238E27FC236}">
-                <a16:creationId xmlns:a16="http://schemas.microsoft.com/office/drawing/2014/main" id="{6348D64C-E129-9D4F-A539-CB1A75DD3C36}"/>
+          <p:cNvPr id="9" name="Picture 8" descr="Diagram, engineering drawing&#10;&#10;Description automatically generated">
+            <a:extLst>
+              <a:ext uri="{FF2B5EF4-FFF2-40B4-BE49-F238E27FC236}">
+                <a16:creationId xmlns:a16="http://schemas.microsoft.com/office/drawing/2014/main" id="{395495E4-4499-C547-BC03-023407722B1A}"/>
               </a:ext>
             </a:extLst>
           </p:cNvPr>
@@ -6482,7 +6482,7 @@
         </p:blipFill>
         <p:spPr>
           <a:xfrm>
-            <a:off x="5968999" y="2819400"/>
+            <a:off x="5912168" y="2810866"/>
             <a:ext cx="6154545" cy="2682123"/>
           </a:xfrm>
           <a:prstGeom prst="rect">
